--- a/REPO_MarksCodeAndPPTs/DotNetPPTs/dotnetWeek3Ppts/D15_.NET_Validation.pptx
+++ b/REPO_MarksCodeAndPPTs/DotNetPPTs/dotnetWeek3Ppts/D15_.NET_Validation.pptx
@@ -18,6 +18,9 @@
     <p:sldId id="262" r:id="rId12"/>
     <p:sldId id="264" r:id="rId13"/>
     <p:sldId id="270" r:id="rId14"/>
+    <p:sldId id="278" r:id="rId15"/>
+    <p:sldId id="277" r:id="rId16"/>
+    <p:sldId id="279" r:id="rId17"/>
   </p:sldIdLst>
   <p:sldSz cx="12192000" cy="6858000"/>
   <p:notesSz cx="6858000" cy="9144000"/>
@@ -376,7 +379,7 @@
           <a:p>
             <a:fld id="{9184DA70-C731-4C70-880D-CCD4705E623C}" type="datetime1">
               <a:rPr lang="en-US" smtClean="0"/>
-              <a:t>3/30/2020</a:t>
+              <a:t>3/31/2020</a:t>
             </a:fld>
             <a:endParaRPr lang="en-US" dirty="0"/>
           </a:p>
@@ -564,7 +567,7 @@
           <a:p>
             <a:fld id="{B612A279-0833-481D-8C56-F67FD0AC6C50}" type="datetime1">
               <a:rPr lang="en-US" smtClean="0"/>
-              <a:t>3/30/2020</a:t>
+              <a:t>3/31/2020</a:t>
             </a:fld>
             <a:endParaRPr lang="en-US" dirty="0"/>
           </a:p>
@@ -806,7 +809,7 @@
           <a:p>
             <a:fld id="{6587DA83-5663-4C9C-B9AA-0B40A3DAFF81}" type="datetime1">
               <a:rPr lang="en-US" smtClean="0"/>
-              <a:t>3/30/2020</a:t>
+              <a:t>3/31/2020</a:t>
             </a:fld>
             <a:endParaRPr lang="en-US" dirty="0"/>
           </a:p>
@@ -994,7 +997,7 @@
           <a:p>
             <a:fld id="{4BE1D723-8F53-4F53-90B0-1982A396982E}" type="datetime1">
               <a:rPr lang="en-US" smtClean="0"/>
-              <a:t>3/30/2020</a:t>
+              <a:t>3/31/2020</a:t>
             </a:fld>
             <a:endParaRPr lang="en-US" dirty="0"/>
           </a:p>
@@ -1367,7 +1370,7 @@
           <a:p>
             <a:fld id="{97669AF7-7BEB-44E4-9852-375E34362B5B}" type="datetime1">
               <a:rPr lang="en-US" smtClean="0"/>
-              <a:t>3/30/2020</a:t>
+              <a:t>3/31/2020</a:t>
             </a:fld>
             <a:endParaRPr lang="en-US" dirty="0"/>
           </a:p>
@@ -1622,7 +1625,7 @@
           <a:p>
             <a:fld id="{BAAAC38D-0552-4C82-B593-E6124DFADBE2}" type="datetime1">
               <a:rPr lang="en-US" smtClean="0"/>
-              <a:t>3/30/2020</a:t>
+              <a:t>3/31/2020</a:t>
             </a:fld>
             <a:endParaRPr lang="en-US" dirty="0"/>
           </a:p>
@@ -2019,7 +2022,7 @@
           <a:p>
             <a:fld id="{D9DF0F1C-5577-4ACB-BB62-DF8F3C494C7E}" type="datetime1">
               <a:rPr lang="en-US" smtClean="0"/>
-              <a:t>3/30/2020</a:t>
+              <a:t>3/31/2020</a:t>
             </a:fld>
             <a:endParaRPr lang="en-US" dirty="0"/>
           </a:p>
@@ -2155,7 +2158,7 @@
           <a:p>
             <a:fld id="{1775B394-D9F9-4F0C-B15D-605F45CB9E9F}" type="datetime1">
               <a:rPr lang="en-US" smtClean="0"/>
-              <a:t>3/30/2020</a:t>
+              <a:t>3/31/2020</a:t>
             </a:fld>
             <a:endParaRPr lang="en-US" dirty="0"/>
           </a:p>
@@ -2312,7 +2315,7 @@
           <a:p>
             <a:fld id="{39667345-2558-425A-8533-9BFDBCE15005}" type="datetime1">
               <a:rPr lang="en-US" smtClean="0"/>
-              <a:t>3/30/2020</a:t>
+              <a:t>3/31/2020</a:t>
             </a:fld>
             <a:endParaRPr lang="en-US" dirty="0"/>
           </a:p>
@@ -2641,7 +2644,7 @@
           <a:p>
             <a:fld id="{92BEA474-078D-4E9B-9B14-09A87B19DC46}" type="datetime1">
               <a:rPr lang="en-US" smtClean="0"/>
-              <a:t>3/30/2020</a:t>
+              <a:t>3/31/2020</a:t>
             </a:fld>
             <a:endParaRPr lang="en-US" dirty="0"/>
           </a:p>
@@ -2991,7 +2994,7 @@
           <a:p>
             <a:fld id="{4907D986-8816-4272-A432-0437A28A9828}" type="datetime1">
               <a:rPr lang="en-US" smtClean="0"/>
-              <a:t>3/30/2020</a:t>
+              <a:t>3/31/2020</a:t>
             </a:fld>
             <a:endParaRPr lang="en-US" dirty="0"/>
           </a:p>
@@ -3252,7 +3255,7 @@
           <a:p>
             <a:fld id="{62D6E202-B606-4609-B914-27C9371A1F6D}" type="datetime1">
               <a:rPr lang="en-US" smtClean="0"/>
-              <a:t>3/30/2020</a:t>
+              <a:t>3/31/2020</a:t>
             </a:fld>
             <a:endParaRPr lang="en-US" dirty="0"/>
           </a:p>
@@ -5158,6 +5161,291 @@
 </p:sld>
 </file>
 
+<file path=ppt/slides/slide14.xml><?xml version="1.0" encoding="utf-8"?>
+<p:sld xmlns:a="http://schemas.openxmlformats.org/drawingml/2006/main" xmlns:r="http://schemas.openxmlformats.org/officeDocument/2006/relationships" xmlns:p="http://schemas.openxmlformats.org/presentationml/2006/main">
+  <p:cSld>
+    <p:spTree>
+      <p:nvGrpSpPr>
+        <p:cNvPr id="1" name=""/>
+        <p:cNvGrpSpPr/>
+        <p:nvPr/>
+      </p:nvGrpSpPr>
+      <p:grpSpPr>
+        <a:xfrm>
+          <a:off x="0" y="0"/>
+          <a:ext cx="0" cy="0"/>
+          <a:chOff x="0" y="0"/>
+          <a:chExt cx="0" cy="0"/>
+        </a:xfrm>
+      </p:grpSpPr>
+      <p:sp>
+        <p:nvSpPr>
+          <p:cNvPr id="2" name="Title 1">
+            <a:extLst>
+              <a:ext uri="{FF2B5EF4-FFF2-40B4-BE49-F238E27FC236}">
+                <a16:creationId xmlns:a16="http://schemas.microsoft.com/office/drawing/2014/main" id="{FF1207EA-4BF2-4585-AB9F-B07984F53A92}"/>
+              </a:ext>
+            </a:extLst>
+          </p:cNvPr>
+          <p:cNvSpPr>
+            <a:spLocks noGrp="1"/>
+          </p:cNvSpPr>
+          <p:nvPr>
+            <p:ph type="title"/>
+          </p:nvPr>
+        </p:nvSpPr>
+        <p:spPr/>
+        <p:txBody>
+          <a:bodyPr>
+            <a:normAutofit/>
+          </a:bodyPr>
+          <a:lstStyle/>
+          <a:p>
+            <a:r>
+              <a:rPr lang="en-US" dirty="0"/>
+              <a:t>Over-Posting</a:t>
+            </a:r>
+            <a:br>
+              <a:rPr lang="en-US" dirty="0"/>
+            </a:br>
+            <a:r>
+              <a:rPr lang="en-US" sz="1400" dirty="0">
+                <a:hlinkClick r:id="rId2"/>
+              </a:rPr>
+              <a:t>https://docs.microsoft.com/en-us/aspnet/mvc/overview/getting-started/getting-started-with-ef-using-mvc/implementing-basic-crud-functionality-with-the-entity-framework-in-asp-net-mvc-application#overpost</a:t>
+            </a:r>
+            <a:endParaRPr lang="en-US" dirty="0"/>
+          </a:p>
+        </p:txBody>
+      </p:sp>
+      <p:sp>
+        <p:nvSpPr>
+          <p:cNvPr id="3" name="Content Placeholder 2">
+            <a:extLst>
+              <a:ext uri="{FF2B5EF4-FFF2-40B4-BE49-F238E27FC236}">
+                <a16:creationId xmlns:a16="http://schemas.microsoft.com/office/drawing/2014/main" id="{8467BA45-6472-45DF-A832-2C38083F3028}"/>
+              </a:ext>
+            </a:extLst>
+          </p:cNvPr>
+          <p:cNvSpPr>
+            <a:spLocks noGrp="1"/>
+          </p:cNvSpPr>
+          <p:nvPr>
+            <p:ph idx="1"/>
+          </p:nvPr>
+        </p:nvSpPr>
+        <p:spPr/>
+        <p:txBody>
+          <a:bodyPr/>
+          <a:lstStyle/>
+          <a:p>
+            <a:endParaRPr lang="en-US" dirty="0"/>
+          </a:p>
+        </p:txBody>
+      </p:sp>
+    </p:spTree>
+    <p:extLst>
+      <p:ext uri="{BB962C8B-B14F-4D97-AF65-F5344CB8AC3E}">
+        <p14:creationId xmlns:p14="http://schemas.microsoft.com/office/powerpoint/2010/main" val="4125924710"/>
+      </p:ext>
+    </p:extLst>
+  </p:cSld>
+  <p:clrMapOvr>
+    <a:masterClrMapping/>
+  </p:clrMapOvr>
+</p:sld>
+</file>
+
+<file path=ppt/slides/slide15.xml><?xml version="1.0" encoding="utf-8"?>
+<p:sld xmlns:a="http://schemas.openxmlformats.org/drawingml/2006/main" xmlns:r="http://schemas.openxmlformats.org/officeDocument/2006/relationships" xmlns:p="http://schemas.openxmlformats.org/presentationml/2006/main">
+  <p:cSld>
+    <p:spTree>
+      <p:nvGrpSpPr>
+        <p:cNvPr id="1" name=""/>
+        <p:cNvGrpSpPr/>
+        <p:nvPr/>
+      </p:nvGrpSpPr>
+      <p:grpSpPr>
+        <a:xfrm>
+          <a:off x="0" y="0"/>
+          <a:ext cx="0" cy="0"/>
+          <a:chOff x="0" y="0"/>
+          <a:chExt cx="0" cy="0"/>
+        </a:xfrm>
+      </p:grpSpPr>
+      <p:sp>
+        <p:nvSpPr>
+          <p:cNvPr id="2" name="Title 1">
+            <a:extLst>
+              <a:ext uri="{FF2B5EF4-FFF2-40B4-BE49-F238E27FC236}">
+                <a16:creationId xmlns:a16="http://schemas.microsoft.com/office/drawing/2014/main" id="{4E25B6AA-F7B5-4F7E-81A1-463BC31D4620}"/>
+              </a:ext>
+            </a:extLst>
+          </p:cNvPr>
+          <p:cNvSpPr>
+            <a:spLocks noGrp="1"/>
+          </p:cNvSpPr>
+          <p:nvPr>
+            <p:ph type="title"/>
+          </p:nvPr>
+        </p:nvSpPr>
+        <p:spPr/>
+        <p:txBody>
+          <a:bodyPr>
+            <a:normAutofit/>
+          </a:bodyPr>
+          <a:lstStyle/>
+          <a:p>
+            <a:r>
+              <a:rPr lang="en-US" dirty="0"/>
+              <a:t>CSRF (Cross Site Request Forgery)</a:t>
+            </a:r>
+            <a:br>
+              <a:rPr lang="en-US" dirty="0"/>
+            </a:br>
+            <a:r>
+              <a:rPr lang="en-US" sz="1400" dirty="0">
+                <a:hlinkClick r:id="rId2"/>
+              </a:rPr>
+              <a:t>https://docs.microsoft.com/en-us/aspnet/mvc/overview/security/xsrfcsrf-prevention-in-aspnet-mvc-and-web-pages</a:t>
+            </a:r>
+            <a:endParaRPr lang="en-US" dirty="0"/>
+          </a:p>
+        </p:txBody>
+      </p:sp>
+      <p:sp>
+        <p:nvSpPr>
+          <p:cNvPr id="3" name="Content Placeholder 2">
+            <a:extLst>
+              <a:ext uri="{FF2B5EF4-FFF2-40B4-BE49-F238E27FC236}">
+                <a16:creationId xmlns:a16="http://schemas.microsoft.com/office/drawing/2014/main" id="{83B4FB18-BD33-4C1B-8744-DF3A1EB7C219}"/>
+              </a:ext>
+            </a:extLst>
+          </p:cNvPr>
+          <p:cNvSpPr>
+            <a:spLocks noGrp="1"/>
+          </p:cNvSpPr>
+          <p:nvPr>
+            <p:ph idx="1"/>
+          </p:nvPr>
+        </p:nvSpPr>
+        <p:spPr/>
+        <p:txBody>
+          <a:bodyPr/>
+          <a:lstStyle/>
+          <a:p>
+            <a:endParaRPr lang="en-US" dirty="0"/>
+          </a:p>
+        </p:txBody>
+      </p:sp>
+    </p:spTree>
+    <p:extLst>
+      <p:ext uri="{BB962C8B-B14F-4D97-AF65-F5344CB8AC3E}">
+        <p14:creationId xmlns:p14="http://schemas.microsoft.com/office/powerpoint/2010/main" val="648341984"/>
+      </p:ext>
+    </p:extLst>
+  </p:cSld>
+  <p:clrMapOvr>
+    <a:masterClrMapping/>
+  </p:clrMapOvr>
+</p:sld>
+</file>
+
+<file path=ppt/slides/slide16.xml><?xml version="1.0" encoding="utf-8"?>
+<p:sld xmlns:a="http://schemas.openxmlformats.org/drawingml/2006/main" xmlns:r="http://schemas.openxmlformats.org/officeDocument/2006/relationships" xmlns:p="http://schemas.openxmlformats.org/presentationml/2006/main">
+  <p:cSld>
+    <p:spTree>
+      <p:nvGrpSpPr>
+        <p:cNvPr id="1" name=""/>
+        <p:cNvGrpSpPr/>
+        <p:nvPr/>
+      </p:nvGrpSpPr>
+      <p:grpSpPr>
+        <a:xfrm>
+          <a:off x="0" y="0"/>
+          <a:ext cx="0" cy="0"/>
+          <a:chOff x="0" y="0"/>
+          <a:chExt cx="0" cy="0"/>
+        </a:xfrm>
+      </p:grpSpPr>
+      <p:sp>
+        <p:nvSpPr>
+          <p:cNvPr id="2" name="Title 1">
+            <a:extLst>
+              <a:ext uri="{FF2B5EF4-FFF2-40B4-BE49-F238E27FC236}">
+                <a16:creationId xmlns:a16="http://schemas.microsoft.com/office/drawing/2014/main" id="{5627A8D7-9E23-40A8-A3B6-9D51AC73FFF3}"/>
+              </a:ext>
+            </a:extLst>
+          </p:cNvPr>
+          <p:cNvSpPr>
+            <a:spLocks noGrp="1"/>
+          </p:cNvSpPr>
+          <p:nvPr>
+            <p:ph type="title"/>
+          </p:nvPr>
+        </p:nvSpPr>
+        <p:spPr/>
+        <p:txBody>
+          <a:bodyPr>
+            <a:normAutofit/>
+          </a:bodyPr>
+          <a:lstStyle/>
+          <a:p>
+            <a:r>
+              <a:rPr lang="en-US" dirty="0"/>
+              <a:t>Validate on leaving a field</a:t>
+            </a:r>
+            <a:br>
+              <a:rPr lang="en-US" dirty="0"/>
+            </a:br>
+            <a:r>
+              <a:rPr lang="en-US" sz="1400" dirty="0">
+                <a:hlinkClick r:id="rId2"/>
+              </a:rPr>
+              <a:t>https://docs.microsoft.com/en-us/aspnet/web-pages/overview/ui-layouts-and-themes/validating-user-input-in-aspnet-web-pages-sites#adding-client-side-validation</a:t>
+            </a:r>
+            <a:endParaRPr lang="en-US" dirty="0"/>
+          </a:p>
+        </p:txBody>
+      </p:sp>
+      <p:sp>
+        <p:nvSpPr>
+          <p:cNvPr id="3" name="Content Placeholder 2">
+            <a:extLst>
+              <a:ext uri="{FF2B5EF4-FFF2-40B4-BE49-F238E27FC236}">
+                <a16:creationId xmlns:a16="http://schemas.microsoft.com/office/drawing/2014/main" id="{72DEAD09-79D2-4CDF-960E-068F40F3E31B}"/>
+              </a:ext>
+            </a:extLst>
+          </p:cNvPr>
+          <p:cNvSpPr>
+            <a:spLocks noGrp="1"/>
+          </p:cNvSpPr>
+          <p:nvPr>
+            <p:ph idx="1"/>
+          </p:nvPr>
+        </p:nvSpPr>
+        <p:spPr/>
+        <p:txBody>
+          <a:bodyPr/>
+          <a:lstStyle/>
+          <a:p>
+            <a:endParaRPr lang="en-US" dirty="0"/>
+          </a:p>
+        </p:txBody>
+      </p:sp>
+    </p:spTree>
+    <p:extLst>
+      <p:ext uri="{BB962C8B-B14F-4D97-AF65-F5344CB8AC3E}">
+        <p14:creationId xmlns:p14="http://schemas.microsoft.com/office/powerpoint/2010/main" val="632242523"/>
+      </p:ext>
+    </p:extLst>
+  </p:cSld>
+  <p:clrMapOvr>
+    <a:masterClrMapping/>
+  </p:clrMapOvr>
+</p:sld>
+</file>
+
 <file path=ppt/slides/slide2.xml><?xml version="1.0" encoding="utf-8"?>
 <p:sld xmlns:a="http://schemas.openxmlformats.org/drawingml/2006/main" xmlns:r="http://schemas.openxmlformats.org/officeDocument/2006/relationships" xmlns:p="http://schemas.openxmlformats.org/presentationml/2006/main">
   <p:cSld>
@@ -5518,7 +5806,7 @@
             </a:r>
             <a:r>
               <a:rPr lang="en-US" dirty="0"/>
-              <a:t> validation on both the Server-Side and the Client-Side.</a:t>
+              <a:t> validation on both the Server-Side and the Client-Side (before sending to server).</a:t>
             </a:r>
           </a:p>
           <a:p>
@@ -6084,7 +6372,7 @@
           <a:p>
             <a:r>
               <a:rPr lang="en-US" sz="3200" b="1" i="1" dirty="0"/>
-              <a:t>Model binding</a:t>
+              <a:t>Model Binding</a:t>
             </a:r>
             <a:r>
               <a:rPr lang="en-US" sz="3200" dirty="0"/>
